--- a/热计量+智慧供热.pptx
+++ b/热计量+智慧供热.pptx
@@ -208,7 +208,7 @@
           <a:p>
             <a:fld id="{96E81C21-4DFD-472A-8DA8-D7AEE1A2FF6B}" type="datetimeFigureOut">
               <a:rPr lang="zh-CN" altLang="en-US" smtClean="0"/>
-              <a:t>2023/2/10</a:t>
+              <a:t>2023/2/11</a:t>
             </a:fld>
             <a:endParaRPr lang="zh-CN" altLang="en-US"/>
           </a:p>
@@ -1630,7 +1630,7 @@
           <a:p>
             <a:fld id="{57316891-1147-43AC-BCDE-1E4717A53797}" type="datetimeFigureOut">
               <a:rPr lang="zh-CN" altLang="en-US" smtClean="0"/>
-              <a:t>2023/2/10</a:t>
+              <a:t>2023/2/11</a:t>
             </a:fld>
             <a:endParaRPr lang="zh-CN" altLang="en-US"/>
           </a:p>
@@ -1828,7 +1828,7 @@
           <a:p>
             <a:fld id="{57316891-1147-43AC-BCDE-1E4717A53797}" type="datetimeFigureOut">
               <a:rPr lang="zh-CN" altLang="en-US" smtClean="0"/>
-              <a:t>2023/2/10</a:t>
+              <a:t>2023/2/11</a:t>
             </a:fld>
             <a:endParaRPr lang="zh-CN" altLang="en-US"/>
           </a:p>
@@ -2036,7 +2036,7 @@
           <a:p>
             <a:fld id="{57316891-1147-43AC-BCDE-1E4717A53797}" type="datetimeFigureOut">
               <a:rPr lang="zh-CN" altLang="en-US" smtClean="0"/>
-              <a:t>2023/2/10</a:t>
+              <a:t>2023/2/11</a:t>
             </a:fld>
             <a:endParaRPr lang="zh-CN" altLang="en-US"/>
           </a:p>
@@ -2234,7 +2234,7 @@
           <a:p>
             <a:fld id="{57316891-1147-43AC-BCDE-1E4717A53797}" type="datetimeFigureOut">
               <a:rPr lang="zh-CN" altLang="en-US" smtClean="0"/>
-              <a:t>2023/2/10</a:t>
+              <a:t>2023/2/11</a:t>
             </a:fld>
             <a:endParaRPr lang="zh-CN" altLang="en-US"/>
           </a:p>
@@ -2509,7 +2509,7 @@
           <a:p>
             <a:fld id="{57316891-1147-43AC-BCDE-1E4717A53797}" type="datetimeFigureOut">
               <a:rPr lang="zh-CN" altLang="en-US" smtClean="0"/>
-              <a:t>2023/2/10</a:t>
+              <a:t>2023/2/11</a:t>
             </a:fld>
             <a:endParaRPr lang="zh-CN" altLang="en-US"/>
           </a:p>
@@ -2774,7 +2774,7 @@
           <a:p>
             <a:fld id="{57316891-1147-43AC-BCDE-1E4717A53797}" type="datetimeFigureOut">
               <a:rPr lang="zh-CN" altLang="en-US" smtClean="0"/>
-              <a:t>2023/2/10</a:t>
+              <a:t>2023/2/11</a:t>
             </a:fld>
             <a:endParaRPr lang="zh-CN" altLang="en-US"/>
           </a:p>
@@ -3186,7 +3186,7 @@
           <a:p>
             <a:fld id="{57316891-1147-43AC-BCDE-1E4717A53797}" type="datetimeFigureOut">
               <a:rPr lang="zh-CN" altLang="en-US" smtClean="0"/>
-              <a:t>2023/2/10</a:t>
+              <a:t>2023/2/11</a:t>
             </a:fld>
             <a:endParaRPr lang="zh-CN" altLang="en-US"/>
           </a:p>
@@ -3327,7 +3327,7 @@
           <a:p>
             <a:fld id="{57316891-1147-43AC-BCDE-1E4717A53797}" type="datetimeFigureOut">
               <a:rPr lang="zh-CN" altLang="en-US" smtClean="0"/>
-              <a:t>2023/2/10</a:t>
+              <a:t>2023/2/11</a:t>
             </a:fld>
             <a:endParaRPr lang="zh-CN" altLang="en-US"/>
           </a:p>
@@ -3440,7 +3440,7 @@
           <a:p>
             <a:fld id="{57316891-1147-43AC-BCDE-1E4717A53797}" type="datetimeFigureOut">
               <a:rPr lang="zh-CN" altLang="en-US" smtClean="0"/>
-              <a:t>2023/2/10</a:t>
+              <a:t>2023/2/11</a:t>
             </a:fld>
             <a:endParaRPr lang="zh-CN" altLang="en-US"/>
           </a:p>
@@ -3751,7 +3751,7 @@
           <a:p>
             <a:fld id="{57316891-1147-43AC-BCDE-1E4717A53797}" type="datetimeFigureOut">
               <a:rPr lang="zh-CN" altLang="en-US" smtClean="0"/>
-              <a:t>2023/2/10</a:t>
+              <a:t>2023/2/11</a:t>
             </a:fld>
             <a:endParaRPr lang="zh-CN" altLang="en-US"/>
           </a:p>
@@ -4039,7 +4039,7 @@
           <a:p>
             <a:fld id="{57316891-1147-43AC-BCDE-1E4717A53797}" type="datetimeFigureOut">
               <a:rPr lang="zh-CN" altLang="en-US" smtClean="0"/>
-              <a:t>2023/2/10</a:t>
+              <a:t>2023/2/11</a:t>
             </a:fld>
             <a:endParaRPr lang="zh-CN" altLang="en-US"/>
           </a:p>
@@ -4280,7 +4280,7 @@
           <a:p>
             <a:fld id="{57316891-1147-43AC-BCDE-1E4717A53797}" type="datetimeFigureOut">
               <a:rPr lang="zh-CN" altLang="en-US" smtClean="0"/>
-              <a:t>2023/2/10</a:t>
+              <a:t>2023/2/11</a:t>
             </a:fld>
             <a:endParaRPr lang="zh-CN" altLang="en-US"/>
           </a:p>
@@ -7021,92 +7021,6 @@
       </p:transition>
     </mc:Fallback>
   </mc:AlternateContent>
-  <p:timing>
-    <p:tnLst>
-      <p:par>
-        <p:cTn id="1" dur="indefinite" restart="never" nodeType="tmRoot">
-          <p:childTnLst>
-            <p:seq concurrent="1" nextAc="seek">
-              <p:cTn id="2" dur="indefinite" nodeType="mainSeq">
-                <p:childTnLst>
-                  <p:par>
-                    <p:cTn id="3" fill="hold">
-                      <p:stCondLst>
-                        <p:cond delay="indefinite"/>
-                        <p:cond evt="onBegin" delay="0">
-                          <p:tn val="2"/>
-                        </p:cond>
-                      </p:stCondLst>
-                      <p:childTnLst>
-                        <p:par>
-                          <p:cTn id="4" fill="hold">
-                            <p:stCondLst>
-                              <p:cond delay="0"/>
-                            </p:stCondLst>
-                            <p:childTnLst>
-                              <p:par>
-                                <p:cTn id="5" presetID="22" presetClass="entr" presetSubtype="8" fill="hold" nodeType="afterEffect">
-                                  <p:stCondLst>
-                                    <p:cond delay="0"/>
-                                  </p:stCondLst>
-                                  <p:childTnLst>
-                                    <p:set>
-                                      <p:cBhvr>
-                                        <p:cTn id="6" dur="1" fill="hold">
-                                          <p:stCondLst>
-                                            <p:cond delay="0"/>
-                                          </p:stCondLst>
-                                        </p:cTn>
-                                        <p:tgtEl>
-                                          <p:spTgt spid="2"/>
-                                        </p:tgtEl>
-                                        <p:attrNameLst>
-                                          <p:attrName>style.visibility</p:attrName>
-                                        </p:attrNameLst>
-                                      </p:cBhvr>
-                                      <p:to>
-                                        <p:strVal val="visible"/>
-                                      </p:to>
-                                    </p:set>
-                                    <p:animEffect transition="in" filter="wipe(left)">
-                                      <p:cBhvr>
-                                        <p:cTn id="7" dur="500"/>
-                                        <p:tgtEl>
-                                          <p:spTgt spid="2"/>
-                                        </p:tgtEl>
-                                      </p:cBhvr>
-                                    </p:animEffect>
-                                  </p:childTnLst>
-                                </p:cTn>
-                              </p:par>
-                            </p:childTnLst>
-                          </p:cTn>
-                        </p:par>
-                      </p:childTnLst>
-                    </p:cTn>
-                  </p:par>
-                </p:childTnLst>
-              </p:cTn>
-              <p:prevCondLst>
-                <p:cond evt="onPrev" delay="0">
-                  <p:tgtEl>
-                    <p:sldTgt/>
-                  </p:tgtEl>
-                </p:cond>
-              </p:prevCondLst>
-              <p:nextCondLst>
-                <p:cond evt="onNext" delay="0">
-                  <p:tgtEl>
-                    <p:sldTgt/>
-                  </p:tgtEl>
-                </p:cond>
-              </p:nextCondLst>
-            </p:seq>
-          </p:childTnLst>
-        </p:cTn>
-      </p:par>
-    </p:tnLst>
-  </p:timing>
 </p:sld>
 </file>
 
@@ -16383,92 +16297,6 @@
       </p:transition>
     </mc:Fallback>
   </mc:AlternateContent>
-  <p:timing>
-    <p:tnLst>
-      <p:par>
-        <p:cTn id="1" dur="indefinite" restart="never" nodeType="tmRoot">
-          <p:childTnLst>
-            <p:seq concurrent="1" nextAc="seek">
-              <p:cTn id="2" dur="indefinite" nodeType="mainSeq">
-                <p:childTnLst>
-                  <p:par>
-                    <p:cTn id="3" fill="hold">
-                      <p:stCondLst>
-                        <p:cond delay="indefinite"/>
-                        <p:cond evt="onBegin" delay="0">
-                          <p:tn val="2"/>
-                        </p:cond>
-                      </p:stCondLst>
-                      <p:childTnLst>
-                        <p:par>
-                          <p:cTn id="4" fill="hold">
-                            <p:stCondLst>
-                              <p:cond delay="0"/>
-                            </p:stCondLst>
-                            <p:childTnLst>
-                              <p:par>
-                                <p:cTn id="5" presetID="22" presetClass="entr" presetSubtype="8" fill="hold" nodeType="afterEffect">
-                                  <p:stCondLst>
-                                    <p:cond delay="0"/>
-                                  </p:stCondLst>
-                                  <p:childTnLst>
-                                    <p:set>
-                                      <p:cBhvr>
-                                        <p:cTn id="6" dur="1" fill="hold">
-                                          <p:stCondLst>
-                                            <p:cond delay="0"/>
-                                          </p:stCondLst>
-                                        </p:cTn>
-                                        <p:tgtEl>
-                                          <p:spTgt spid="2"/>
-                                        </p:tgtEl>
-                                        <p:attrNameLst>
-                                          <p:attrName>style.visibility</p:attrName>
-                                        </p:attrNameLst>
-                                      </p:cBhvr>
-                                      <p:to>
-                                        <p:strVal val="visible"/>
-                                      </p:to>
-                                    </p:set>
-                                    <p:animEffect transition="in" filter="wipe(left)">
-                                      <p:cBhvr>
-                                        <p:cTn id="7" dur="500"/>
-                                        <p:tgtEl>
-                                          <p:spTgt spid="2"/>
-                                        </p:tgtEl>
-                                      </p:cBhvr>
-                                    </p:animEffect>
-                                  </p:childTnLst>
-                                </p:cTn>
-                              </p:par>
-                            </p:childTnLst>
-                          </p:cTn>
-                        </p:par>
-                      </p:childTnLst>
-                    </p:cTn>
-                  </p:par>
-                </p:childTnLst>
-              </p:cTn>
-              <p:prevCondLst>
-                <p:cond evt="onPrev" delay="0">
-                  <p:tgtEl>
-                    <p:sldTgt/>
-                  </p:tgtEl>
-                </p:cond>
-              </p:prevCondLst>
-              <p:nextCondLst>
-                <p:cond evt="onNext" delay="0">
-                  <p:tgtEl>
-                    <p:sldTgt/>
-                  </p:tgtEl>
-                </p:cond>
-              </p:nextCondLst>
-            </p:seq>
-          </p:childTnLst>
-        </p:cTn>
-      </p:par>
-    </p:tnLst>
-  </p:timing>
 </p:sld>
 </file>
 
@@ -17955,92 +17783,6 @@
       </p:transition>
     </mc:Fallback>
   </mc:AlternateContent>
-  <p:timing>
-    <p:tnLst>
-      <p:par>
-        <p:cTn id="1" dur="indefinite" restart="never" nodeType="tmRoot">
-          <p:childTnLst>
-            <p:seq concurrent="1" nextAc="seek">
-              <p:cTn id="2" dur="indefinite" nodeType="mainSeq">
-                <p:childTnLst>
-                  <p:par>
-                    <p:cTn id="3" fill="hold">
-                      <p:stCondLst>
-                        <p:cond delay="indefinite"/>
-                        <p:cond evt="onBegin" delay="0">
-                          <p:tn val="2"/>
-                        </p:cond>
-                      </p:stCondLst>
-                      <p:childTnLst>
-                        <p:par>
-                          <p:cTn id="4" fill="hold">
-                            <p:stCondLst>
-                              <p:cond delay="0"/>
-                            </p:stCondLst>
-                            <p:childTnLst>
-                              <p:par>
-                                <p:cTn id="5" presetID="22" presetClass="entr" presetSubtype="8" fill="hold" nodeType="afterEffect">
-                                  <p:stCondLst>
-                                    <p:cond delay="0"/>
-                                  </p:stCondLst>
-                                  <p:childTnLst>
-                                    <p:set>
-                                      <p:cBhvr>
-                                        <p:cTn id="6" dur="1" fill="hold">
-                                          <p:stCondLst>
-                                            <p:cond delay="0"/>
-                                          </p:stCondLst>
-                                        </p:cTn>
-                                        <p:tgtEl>
-                                          <p:spTgt spid="2"/>
-                                        </p:tgtEl>
-                                        <p:attrNameLst>
-                                          <p:attrName>style.visibility</p:attrName>
-                                        </p:attrNameLst>
-                                      </p:cBhvr>
-                                      <p:to>
-                                        <p:strVal val="visible"/>
-                                      </p:to>
-                                    </p:set>
-                                    <p:animEffect transition="in" filter="wipe(left)">
-                                      <p:cBhvr>
-                                        <p:cTn id="7" dur="500"/>
-                                        <p:tgtEl>
-                                          <p:spTgt spid="2"/>
-                                        </p:tgtEl>
-                                      </p:cBhvr>
-                                    </p:animEffect>
-                                  </p:childTnLst>
-                                </p:cTn>
-                              </p:par>
-                            </p:childTnLst>
-                          </p:cTn>
-                        </p:par>
-                      </p:childTnLst>
-                    </p:cTn>
-                  </p:par>
-                </p:childTnLst>
-              </p:cTn>
-              <p:prevCondLst>
-                <p:cond evt="onPrev" delay="0">
-                  <p:tgtEl>
-                    <p:sldTgt/>
-                  </p:tgtEl>
-                </p:cond>
-              </p:prevCondLst>
-              <p:nextCondLst>
-                <p:cond evt="onNext" delay="0">
-                  <p:tgtEl>
-                    <p:sldTgt/>
-                  </p:tgtEl>
-                </p:cond>
-              </p:nextCondLst>
-            </p:seq>
-          </p:childTnLst>
-        </p:cTn>
-      </p:par>
-    </p:tnLst>
-  </p:timing>
 </p:sld>
 </file>
 
